--- a/presentation/medium.pptx
+++ b/presentation/medium.pptx
@@ -5,7 +5,7 @@
     <p:sldMasterId id="2147483648" r:id="rId1"/>
   </p:sldMasterIdLst>
   <p:notesMasterIdLst>
-    <p:notesMasterId r:id="rId8"/>
+    <p:notesMasterId r:id="rId12"/>
   </p:notesMasterIdLst>
   <p:sldIdLst>
     <p:sldId id="2308" r:id="rId2"/>
@@ -14,6 +14,10 @@
     <p:sldId id="2309" r:id="rId5"/>
     <p:sldId id="2310" r:id="rId6"/>
     <p:sldId id="2311" r:id="rId7"/>
+    <p:sldId id="2313" r:id="rId8"/>
+    <p:sldId id="2314" r:id="rId9"/>
+    <p:sldId id="2312" r:id="rId10"/>
+    <p:sldId id="2315" r:id="rId11"/>
   </p:sldIdLst>
   <p:sldSz cx="24377650" cy="13716000"/>
   <p:notesSz cx="6858000" cy="9144000"/>
@@ -123,6 +127,10 @@
             <p14:sldId id="2309"/>
             <p14:sldId id="2310"/>
             <p14:sldId id="2311"/>
+            <p14:sldId id="2313"/>
+            <p14:sldId id="2314"/>
+            <p14:sldId id="2312"/>
+            <p14:sldId id="2315"/>
           </p14:sldIdLst>
         </p14:section>
       </p14:sectionLst>
@@ -568,6 +576,33 @@
           <a:p>
             <a:r>
               <a:rPr lang="en-US" dirty="0"/>
+              <a:t>Good Morning,</a:t>
+            </a:r>
+          </a:p>
+          <a:p>
+            <a:r>
+              <a:rPr lang="en-US" dirty="0"/>
+              <a:t>My name is</a:t>
+            </a:r>
+          </a:p>
+          <a:p>
+            <a:endParaRPr lang="en-US" dirty="0"/>
+          </a:p>
+          <a:p>
+            <a:r>
+              <a:rPr lang="en-US" dirty="0"/>
+              <a:t>Today I will be presenting to you a recommendation sys</a:t>
+            </a:r>
+          </a:p>
+          <a:p>
+            <a:endParaRPr lang="en-US" dirty="0"/>
+          </a:p>
+          <a:p>
+            <a:endParaRPr lang="en-US" dirty="0"/>
+          </a:p>
+          <a:p>
+            <a:r>
+              <a:rPr lang="en-US" dirty="0"/>
               <a:t>Medium: Ideas and perspectives you won’t find anywhere else.</a:t>
             </a:r>
           </a:p>
@@ -601,6 +636,91 @@
     <p:extLst>
       <p:ext uri="{BB962C8B-B14F-4D97-AF65-F5344CB8AC3E}">
         <p14:creationId xmlns:p14="http://schemas.microsoft.com/office/powerpoint/2010/main" val="465590568"/>
+      </p:ext>
+    </p:extLst>
+  </p:cSld>
+  <p:clrMapOvr>
+    <a:masterClrMapping/>
+  </p:clrMapOvr>
+</p:notes>
+</file>
+
+<file path=ppt/notesSlides/notesSlide10.xml><?xml version="1.0" encoding="utf-8"?>
+<p:notes xmlns:a="http://schemas.openxmlformats.org/drawingml/2006/main" xmlns:r="http://schemas.openxmlformats.org/officeDocument/2006/relationships" xmlns:p="http://schemas.openxmlformats.org/presentationml/2006/main">
+  <p:cSld>
+    <p:spTree>
+      <p:nvGrpSpPr>
+        <p:cNvPr id="1" name=""/>
+        <p:cNvGrpSpPr/>
+        <p:nvPr/>
+      </p:nvGrpSpPr>
+      <p:grpSpPr>
+        <a:xfrm>
+          <a:off x="0" y="0"/>
+          <a:ext cx="0" cy="0"/>
+          <a:chOff x="0" y="0"/>
+          <a:chExt cx="0" cy="0"/>
+        </a:xfrm>
+      </p:grpSpPr>
+      <p:sp>
+        <p:nvSpPr>
+          <p:cNvPr id="2" name="Slide Image Placeholder 1"/>
+          <p:cNvSpPr>
+            <a:spLocks noGrp="1" noRot="1" noChangeAspect="1"/>
+          </p:cNvSpPr>
+          <p:nvPr>
+            <p:ph type="sldImg"/>
+          </p:nvPr>
+        </p:nvSpPr>
+        <p:spPr/>
+      </p:sp>
+      <p:sp>
+        <p:nvSpPr>
+          <p:cNvPr id="3" name="Notes Placeholder 2"/>
+          <p:cNvSpPr>
+            <a:spLocks noGrp="1"/>
+          </p:cNvSpPr>
+          <p:nvPr>
+            <p:ph type="body" idx="1"/>
+          </p:nvPr>
+        </p:nvSpPr>
+        <p:spPr/>
+        <p:txBody>
+          <a:bodyPr/>
+          <a:lstStyle/>
+          <a:p>
+            <a:endParaRPr lang="en-US" dirty="0"/>
+          </a:p>
+        </p:txBody>
+      </p:sp>
+      <p:sp>
+        <p:nvSpPr>
+          <p:cNvPr id="4" name="Slide Number Placeholder 3"/>
+          <p:cNvSpPr>
+            <a:spLocks noGrp="1"/>
+          </p:cNvSpPr>
+          <p:nvPr>
+            <p:ph type="sldNum" sz="quarter" idx="5"/>
+          </p:nvPr>
+        </p:nvSpPr>
+        <p:spPr/>
+        <p:txBody>
+          <a:bodyPr/>
+          <a:lstStyle/>
+          <a:p>
+            <a:fld id="{006BE02D-20C0-F840-AFAC-BEA99C74FDC2}" type="slidenum">
+              <a:rPr lang="en-US" smtClean="0"/>
+              <a:pPr/>
+              <a:t>10</a:t>
+            </a:fld>
+            <a:endParaRPr lang="en-US" dirty="0"/>
+          </a:p>
+        </p:txBody>
+      </p:sp>
+    </p:spTree>
+    <p:extLst>
+      <p:ext uri="{BB962C8B-B14F-4D97-AF65-F5344CB8AC3E}">
+        <p14:creationId xmlns:p14="http://schemas.microsoft.com/office/powerpoint/2010/main" val="3167727841"/>
       </p:ext>
     </p:extLst>
   </p:cSld>
@@ -1044,6 +1164,261 @@
     <p:extLst>
       <p:ext uri="{BB962C8B-B14F-4D97-AF65-F5344CB8AC3E}">
         <p14:creationId xmlns:p14="http://schemas.microsoft.com/office/powerpoint/2010/main" val="1087147174"/>
+      </p:ext>
+    </p:extLst>
+  </p:cSld>
+  <p:clrMapOvr>
+    <a:masterClrMapping/>
+  </p:clrMapOvr>
+</p:notes>
+</file>
+
+<file path=ppt/notesSlides/notesSlide7.xml><?xml version="1.0" encoding="utf-8"?>
+<p:notes xmlns:a="http://schemas.openxmlformats.org/drawingml/2006/main" xmlns:r="http://schemas.openxmlformats.org/officeDocument/2006/relationships" xmlns:p="http://schemas.openxmlformats.org/presentationml/2006/main">
+  <p:cSld>
+    <p:spTree>
+      <p:nvGrpSpPr>
+        <p:cNvPr id="1" name=""/>
+        <p:cNvGrpSpPr/>
+        <p:nvPr/>
+      </p:nvGrpSpPr>
+      <p:grpSpPr>
+        <a:xfrm>
+          <a:off x="0" y="0"/>
+          <a:ext cx="0" cy="0"/>
+          <a:chOff x="0" y="0"/>
+          <a:chExt cx="0" cy="0"/>
+        </a:xfrm>
+      </p:grpSpPr>
+      <p:sp>
+        <p:nvSpPr>
+          <p:cNvPr id="2" name="Slide Image Placeholder 1"/>
+          <p:cNvSpPr>
+            <a:spLocks noGrp="1" noRot="1" noChangeAspect="1"/>
+          </p:cNvSpPr>
+          <p:nvPr>
+            <p:ph type="sldImg"/>
+          </p:nvPr>
+        </p:nvSpPr>
+        <p:spPr/>
+      </p:sp>
+      <p:sp>
+        <p:nvSpPr>
+          <p:cNvPr id="3" name="Notes Placeholder 2"/>
+          <p:cNvSpPr>
+            <a:spLocks noGrp="1"/>
+          </p:cNvSpPr>
+          <p:nvPr>
+            <p:ph type="body" idx="1"/>
+          </p:nvPr>
+        </p:nvSpPr>
+        <p:spPr/>
+        <p:txBody>
+          <a:bodyPr/>
+          <a:lstStyle/>
+          <a:p>
+            <a:endParaRPr lang="en-US" dirty="0"/>
+          </a:p>
+        </p:txBody>
+      </p:sp>
+      <p:sp>
+        <p:nvSpPr>
+          <p:cNvPr id="4" name="Slide Number Placeholder 3"/>
+          <p:cNvSpPr>
+            <a:spLocks noGrp="1"/>
+          </p:cNvSpPr>
+          <p:nvPr>
+            <p:ph type="sldNum" sz="quarter" idx="5"/>
+          </p:nvPr>
+        </p:nvSpPr>
+        <p:spPr/>
+        <p:txBody>
+          <a:bodyPr/>
+          <a:lstStyle/>
+          <a:p>
+            <a:fld id="{006BE02D-20C0-F840-AFAC-BEA99C74FDC2}" type="slidenum">
+              <a:rPr lang="en-US" smtClean="0"/>
+              <a:pPr/>
+              <a:t>7</a:t>
+            </a:fld>
+            <a:endParaRPr lang="en-US" dirty="0"/>
+          </a:p>
+        </p:txBody>
+      </p:sp>
+    </p:spTree>
+    <p:extLst>
+      <p:ext uri="{BB962C8B-B14F-4D97-AF65-F5344CB8AC3E}">
+        <p14:creationId xmlns:p14="http://schemas.microsoft.com/office/powerpoint/2010/main" val="4023598625"/>
+      </p:ext>
+    </p:extLst>
+  </p:cSld>
+  <p:clrMapOvr>
+    <a:masterClrMapping/>
+  </p:clrMapOvr>
+</p:notes>
+</file>
+
+<file path=ppt/notesSlides/notesSlide8.xml><?xml version="1.0" encoding="utf-8"?>
+<p:notes xmlns:a="http://schemas.openxmlformats.org/drawingml/2006/main" xmlns:r="http://schemas.openxmlformats.org/officeDocument/2006/relationships" xmlns:p="http://schemas.openxmlformats.org/presentationml/2006/main">
+  <p:cSld>
+    <p:spTree>
+      <p:nvGrpSpPr>
+        <p:cNvPr id="1" name=""/>
+        <p:cNvGrpSpPr/>
+        <p:nvPr/>
+      </p:nvGrpSpPr>
+      <p:grpSpPr>
+        <a:xfrm>
+          <a:off x="0" y="0"/>
+          <a:ext cx="0" cy="0"/>
+          <a:chOff x="0" y="0"/>
+          <a:chExt cx="0" cy="0"/>
+        </a:xfrm>
+      </p:grpSpPr>
+      <p:sp>
+        <p:nvSpPr>
+          <p:cNvPr id="2" name="Slide Image Placeholder 1"/>
+          <p:cNvSpPr>
+            <a:spLocks noGrp="1" noRot="1" noChangeAspect="1"/>
+          </p:cNvSpPr>
+          <p:nvPr>
+            <p:ph type="sldImg"/>
+          </p:nvPr>
+        </p:nvSpPr>
+        <p:spPr/>
+      </p:sp>
+      <p:sp>
+        <p:nvSpPr>
+          <p:cNvPr id="3" name="Notes Placeholder 2"/>
+          <p:cNvSpPr>
+            <a:spLocks noGrp="1"/>
+          </p:cNvSpPr>
+          <p:nvPr>
+            <p:ph type="body" idx="1"/>
+          </p:nvPr>
+        </p:nvSpPr>
+        <p:spPr/>
+        <p:txBody>
+          <a:bodyPr/>
+          <a:lstStyle/>
+          <a:p>
+            <a:endParaRPr lang="en-US" dirty="0"/>
+          </a:p>
+        </p:txBody>
+      </p:sp>
+      <p:sp>
+        <p:nvSpPr>
+          <p:cNvPr id="4" name="Slide Number Placeholder 3"/>
+          <p:cNvSpPr>
+            <a:spLocks noGrp="1"/>
+          </p:cNvSpPr>
+          <p:nvPr>
+            <p:ph type="sldNum" sz="quarter" idx="5"/>
+          </p:nvPr>
+        </p:nvSpPr>
+        <p:spPr/>
+        <p:txBody>
+          <a:bodyPr/>
+          <a:lstStyle/>
+          <a:p>
+            <a:fld id="{006BE02D-20C0-F840-AFAC-BEA99C74FDC2}" type="slidenum">
+              <a:rPr lang="en-US" smtClean="0"/>
+              <a:pPr/>
+              <a:t>8</a:t>
+            </a:fld>
+            <a:endParaRPr lang="en-US" dirty="0"/>
+          </a:p>
+        </p:txBody>
+      </p:sp>
+    </p:spTree>
+    <p:extLst>
+      <p:ext uri="{BB962C8B-B14F-4D97-AF65-F5344CB8AC3E}">
+        <p14:creationId xmlns:p14="http://schemas.microsoft.com/office/powerpoint/2010/main" val="195230836"/>
+      </p:ext>
+    </p:extLst>
+  </p:cSld>
+  <p:clrMapOvr>
+    <a:masterClrMapping/>
+  </p:clrMapOvr>
+</p:notes>
+</file>
+
+<file path=ppt/notesSlides/notesSlide9.xml><?xml version="1.0" encoding="utf-8"?>
+<p:notes xmlns:a="http://schemas.openxmlformats.org/drawingml/2006/main" xmlns:r="http://schemas.openxmlformats.org/officeDocument/2006/relationships" xmlns:p="http://schemas.openxmlformats.org/presentationml/2006/main">
+  <p:cSld>
+    <p:spTree>
+      <p:nvGrpSpPr>
+        <p:cNvPr id="1" name=""/>
+        <p:cNvGrpSpPr/>
+        <p:nvPr/>
+      </p:nvGrpSpPr>
+      <p:grpSpPr>
+        <a:xfrm>
+          <a:off x="0" y="0"/>
+          <a:ext cx="0" cy="0"/>
+          <a:chOff x="0" y="0"/>
+          <a:chExt cx="0" cy="0"/>
+        </a:xfrm>
+      </p:grpSpPr>
+      <p:sp>
+        <p:nvSpPr>
+          <p:cNvPr id="2" name="Slide Image Placeholder 1"/>
+          <p:cNvSpPr>
+            <a:spLocks noGrp="1" noRot="1" noChangeAspect="1"/>
+          </p:cNvSpPr>
+          <p:nvPr>
+            <p:ph type="sldImg"/>
+          </p:nvPr>
+        </p:nvSpPr>
+        <p:spPr/>
+      </p:sp>
+      <p:sp>
+        <p:nvSpPr>
+          <p:cNvPr id="3" name="Notes Placeholder 2"/>
+          <p:cNvSpPr>
+            <a:spLocks noGrp="1"/>
+          </p:cNvSpPr>
+          <p:nvPr>
+            <p:ph type="body" idx="1"/>
+          </p:nvPr>
+        </p:nvSpPr>
+        <p:spPr/>
+        <p:txBody>
+          <a:bodyPr/>
+          <a:lstStyle/>
+          <a:p>
+            <a:endParaRPr lang="en-US" dirty="0"/>
+          </a:p>
+        </p:txBody>
+      </p:sp>
+      <p:sp>
+        <p:nvSpPr>
+          <p:cNvPr id="4" name="Slide Number Placeholder 3"/>
+          <p:cNvSpPr>
+            <a:spLocks noGrp="1"/>
+          </p:cNvSpPr>
+          <p:nvPr>
+            <p:ph type="sldNum" sz="quarter" idx="5"/>
+          </p:nvPr>
+        </p:nvSpPr>
+        <p:spPr/>
+        <p:txBody>
+          <a:bodyPr/>
+          <a:lstStyle/>
+          <a:p>
+            <a:fld id="{006BE02D-20C0-F840-AFAC-BEA99C74FDC2}" type="slidenum">
+              <a:rPr lang="en-US" smtClean="0"/>
+              <a:pPr/>
+              <a:t>9</a:t>
+            </a:fld>
+            <a:endParaRPr lang="en-US" dirty="0"/>
+          </a:p>
+        </p:txBody>
+      </p:sp>
+    </p:spTree>
+    <p:extLst>
+      <p:ext uri="{BB962C8B-B14F-4D97-AF65-F5344CB8AC3E}">
+        <p14:creationId xmlns:p14="http://schemas.microsoft.com/office/powerpoint/2010/main" val="3952607742"/>
       </p:ext>
     </p:extLst>
   </p:cSld>
@@ -2926,14 +3301,14 @@
           </a:ln>
           <a:extLst>
             <a:ext uri="{909E8E84-426E-40dd-AFC4-6F175D3DCCD1}">
-              <a14:hiddenFill xmlns="" xmlns:a14="http://schemas.microsoft.com/office/drawing/2010/main">
+              <a14:hiddenFill xmlns:a14="http://schemas.microsoft.com/office/drawing/2010/main" xmlns="">
                 <a:solidFill>
                   <a:srgbClr val="FFFFFF"/>
                 </a:solidFill>
               </a14:hiddenFill>
             </a:ext>
             <a:ext uri="{91240B29-F687-4f45-9708-019B960494DF}">
-              <a14:hiddenLine xmlns="" xmlns:a14="http://schemas.microsoft.com/office/drawing/2010/main" w="12700">
+              <a14:hiddenLine xmlns:a14="http://schemas.microsoft.com/office/drawing/2010/main" xmlns="" w="12700">
                 <a:solidFill>
                   <a:schemeClr val="tx1"/>
                 </a:solidFill>
@@ -3115,6 +3490,216 @@
       <p:transition advClick="0"/>
     </mc:Fallback>
   </mc:AlternateContent>
+</p:sld>
+</file>
+
+<file path=ppt/slides/slide10.xml><?xml version="1.0" encoding="utf-8"?>
+<p:sld xmlns:a="http://schemas.openxmlformats.org/drawingml/2006/main" xmlns:r="http://schemas.openxmlformats.org/officeDocument/2006/relationships" xmlns:p="http://schemas.openxmlformats.org/presentationml/2006/main">
+  <p:cSld>
+    <p:bg>
+      <p:bgPr>
+        <a:solidFill>
+          <a:srgbClr val="000000"/>
+        </a:solidFill>
+        <a:effectLst/>
+      </p:bgPr>
+    </p:bg>
+    <p:spTree>
+      <p:nvGrpSpPr>
+        <p:cNvPr id="1" name=""/>
+        <p:cNvGrpSpPr/>
+        <p:nvPr/>
+      </p:nvGrpSpPr>
+      <p:grpSpPr>
+        <a:xfrm>
+          <a:off x="0" y="0"/>
+          <a:ext cx="0" cy="0"/>
+          <a:chOff x="0" y="0"/>
+          <a:chExt cx="0" cy="0"/>
+        </a:xfrm>
+      </p:grpSpPr>
+      <p:pic>
+        <p:nvPicPr>
+          <p:cNvPr id="5" name="Picture 4">
+            <a:extLst>
+              <a:ext uri="{FF2B5EF4-FFF2-40B4-BE49-F238E27FC236}">
+                <a16:creationId xmlns:a16="http://schemas.microsoft.com/office/drawing/2014/main" id="{48E6F4BB-E5A6-034C-B727-179CAA534E43}"/>
+              </a:ext>
+            </a:extLst>
+          </p:cNvPr>
+          <p:cNvPicPr>
+            <a:picLocks noChangeAspect="1"/>
+          </p:cNvPicPr>
+          <p:nvPr/>
+        </p:nvPicPr>
+        <p:blipFill>
+          <a:blip r:embed="rId3">
+            <a:extLst>
+              <a:ext uri="{28A0092B-C50C-407E-A947-70E740481C1C}">
+                <a14:useLocalDpi xmlns:a14="http://schemas.microsoft.com/office/drawing/2010/main" val="0"/>
+              </a:ext>
+            </a:extLst>
+          </a:blip>
+          <a:srcRect/>
+          <a:stretch/>
+        </p:blipFill>
+        <p:spPr>
+          <a:xfrm>
+            <a:off x="7428486" y="3355410"/>
+            <a:ext cx="9520676" cy="7005180"/>
+          </a:xfrm>
+          <a:prstGeom prst="rect">
+            <a:avLst/>
+          </a:prstGeom>
+        </p:spPr>
+      </p:pic>
+      <p:sp>
+        <p:nvSpPr>
+          <p:cNvPr id="6" name="Rectangle 5">
+            <a:extLst>
+              <a:ext uri="{FF2B5EF4-FFF2-40B4-BE49-F238E27FC236}">
+                <a16:creationId xmlns:a16="http://schemas.microsoft.com/office/drawing/2014/main" id="{053E5399-9DC5-8A40-9DA1-EC511DBB6832}"/>
+              </a:ext>
+            </a:extLst>
+          </p:cNvPr>
+          <p:cNvSpPr/>
+          <p:nvPr/>
+        </p:nvSpPr>
+        <p:spPr>
+          <a:xfrm>
+            <a:off x="0" y="0"/>
+            <a:ext cx="24377650" cy="2286000"/>
+          </a:xfrm>
+          <a:prstGeom prst="rect">
+            <a:avLst/>
+          </a:prstGeom>
+          <a:solidFill>
+            <a:schemeClr val="bg1"/>
+          </a:solidFill>
+          <a:ln>
+            <a:solidFill>
+              <a:schemeClr val="bg1"/>
+            </a:solidFill>
+          </a:ln>
+        </p:spPr>
+        <p:style>
+          <a:lnRef idx="2">
+            <a:schemeClr val="accent1">
+              <a:shade val="50000"/>
+            </a:schemeClr>
+          </a:lnRef>
+          <a:fillRef idx="1">
+            <a:schemeClr val="accent1"/>
+          </a:fillRef>
+          <a:effectRef idx="0">
+            <a:schemeClr val="accent1"/>
+          </a:effectRef>
+          <a:fontRef idx="minor">
+            <a:schemeClr val="lt1"/>
+          </a:fontRef>
+        </p:style>
+        <p:txBody>
+          <a:bodyPr rtlCol="0" anchor="ctr"/>
+          <a:lstStyle/>
+          <a:p>
+            <a:pPr algn="ctr"/>
+            <a:endParaRPr lang="en-US" dirty="0"/>
+          </a:p>
+        </p:txBody>
+      </p:sp>
+      <p:sp>
+        <p:nvSpPr>
+          <p:cNvPr id="7" name="TextBox 6">
+            <a:extLst>
+              <a:ext uri="{FF2B5EF4-FFF2-40B4-BE49-F238E27FC236}">
+                <a16:creationId xmlns:a16="http://schemas.microsoft.com/office/drawing/2014/main" id="{48856C65-8DA0-6F40-B4E5-BF17E64E1A04}"/>
+              </a:ext>
+            </a:extLst>
+          </p:cNvPr>
+          <p:cNvSpPr txBox="1"/>
+          <p:nvPr/>
+        </p:nvSpPr>
+        <p:spPr>
+          <a:xfrm>
+            <a:off x="4705139" y="902543"/>
+            <a:ext cx="14967371" cy="1189236"/>
+          </a:xfrm>
+          <a:prstGeom prst="rect">
+            <a:avLst/>
+          </a:prstGeom>
+          <a:noFill/>
+        </p:spPr>
+        <p:txBody>
+          <a:bodyPr wrap="square" rtlCol="0" anchor="ctr" anchorCtr="0">
+            <a:spAutoFit/>
+          </a:bodyPr>
+          <a:lstStyle/>
+          <a:p>
+            <a:pPr algn="ctr">
+              <a:lnSpc>
+                <a:spcPts val="7060"/>
+              </a:lnSpc>
+            </a:pPr>
+            <a:r>
+              <a:rPr lang="en-US" sz="11500" b="1" spc="200" dirty="0">
+                <a:solidFill>
+                  <a:srgbClr val="000000"/>
+                </a:solidFill>
+                <a:latin typeface="Garamond" panose="02020404030301010803" pitchFamily="18" charset="0"/>
+                <a:ea typeface="Helvetica Neue Medium" panose="02000503000000020004" pitchFamily="2" charset="0"/>
+                <a:cs typeface="Times New Roman" panose="02020603050405020304" pitchFamily="18" charset="0"/>
+              </a:rPr>
+              <a:t>Appendix</a:t>
+            </a:r>
+          </a:p>
+        </p:txBody>
+      </p:sp>
+      <p:pic>
+        <p:nvPicPr>
+          <p:cNvPr id="9" name="Picture 8">
+            <a:extLst>
+              <a:ext uri="{FF2B5EF4-FFF2-40B4-BE49-F238E27FC236}">
+                <a16:creationId xmlns:a16="http://schemas.microsoft.com/office/drawing/2014/main" id="{6905365A-7AF4-0546-89A4-B041D57D5299}"/>
+              </a:ext>
+            </a:extLst>
+          </p:cNvPr>
+          <p:cNvPicPr>
+            <a:picLocks noChangeAspect="1"/>
+          </p:cNvPicPr>
+          <p:nvPr/>
+        </p:nvPicPr>
+        <p:blipFill>
+          <a:blip r:embed="rId4">
+            <a:extLst>
+              <a:ext uri="{28A0092B-C50C-407E-A947-70E740481C1C}">
+                <a14:useLocalDpi xmlns:a14="http://schemas.microsoft.com/office/drawing/2010/main" val="0"/>
+              </a:ext>
+            </a:extLst>
+          </a:blip>
+          <a:stretch>
+            <a:fillRect/>
+          </a:stretch>
+        </p:blipFill>
+        <p:spPr>
+          <a:xfrm>
+            <a:off x="5168866" y="10887748"/>
+            <a:ext cx="14039917" cy="1084503"/>
+          </a:xfrm>
+          <a:prstGeom prst="rect">
+            <a:avLst/>
+          </a:prstGeom>
+        </p:spPr>
+      </p:pic>
+    </p:spTree>
+    <p:extLst>
+      <p:ext uri="{BB962C8B-B14F-4D97-AF65-F5344CB8AC3E}">
+        <p14:creationId xmlns:p14="http://schemas.microsoft.com/office/powerpoint/2010/main" val="2367552341"/>
+      </p:ext>
+    </p:extLst>
+  </p:cSld>
+  <p:clrMapOvr>
+    <a:masterClrMapping/>
+  </p:clrMapOvr>
 </p:sld>
 </file>
 
@@ -5558,7 +6143,7 @@
               </a:lnSpc>
             </a:pPr>
             <a:r>
-              <a:rPr lang="en-US" sz="11500" b="1" spc="200" dirty="0">
+              <a:rPr lang="en-US" sz="11500" b="1" spc="200" dirty="0" err="1">
                 <a:solidFill>
                   <a:schemeClr val="bg1"/>
                 </a:solidFill>
@@ -5566,8 +6151,16 @@
                 <a:ea typeface="Helvetica Neue Medium" panose="02000503000000020004" pitchFamily="2" charset="0"/>
                 <a:cs typeface="Times New Roman" panose="02020603050405020304" pitchFamily="18" charset="0"/>
               </a:rPr>
-              <a:t>Overview</a:t>
+              <a:t>Methonds</a:t>
             </a:r>
+            <a:endParaRPr lang="en-US" sz="11500" b="1" spc="200" dirty="0">
+              <a:solidFill>
+                <a:schemeClr val="bg1"/>
+              </a:solidFill>
+              <a:latin typeface="Garamond" panose="02020404030301010803" pitchFamily="18" charset="0"/>
+              <a:ea typeface="Helvetica Neue Medium" panose="02000503000000020004" pitchFamily="2" charset="0"/>
+              <a:cs typeface="Times New Roman" panose="02020603050405020304" pitchFamily="18" charset="0"/>
+            </a:endParaRPr>
           </a:p>
         </p:txBody>
       </p:sp>
@@ -7428,7 +8021,7 @@
         <p:spPr>
           <a:xfrm>
             <a:off x="1398279" y="3676087"/>
-            <a:ext cx="21581091" cy="4146843"/>
+            <a:ext cx="21581091" cy="4959373"/>
           </a:xfrm>
           <a:prstGeom prst="rect">
             <a:avLst/>
@@ -7606,6 +8199,26 @@
               </a:defRPr>
             </a:lvl9pPr>
           </a:lstStyle>
+          <a:p>
+            <a:pPr marL="571500" indent="-571500" algn="l">
+              <a:lnSpc>
+                <a:spcPct val="100000"/>
+              </a:lnSpc>
+              <a:buFont typeface="Arial" panose="020B0604020202020204" pitchFamily="34" charset="0"/>
+              <a:buChar char="•"/>
+            </a:pPr>
+            <a:r>
+              <a:rPr lang="en-US" sz="4400" dirty="0">
+                <a:solidFill>
+                  <a:schemeClr val="accent1"/>
+                </a:solidFill>
+                <a:latin typeface="Garamond" panose="02020404030301010803" pitchFamily="18" charset="0"/>
+                <a:ea typeface="Source Sans Pro" charset="0"/>
+                <a:cs typeface="Source Sans Pro" charset="0"/>
+              </a:rPr>
+              <a:t>Obtain full articles</a:t>
+            </a:r>
+          </a:p>
           <a:p>
             <a:pPr marL="571500" indent="-571500" algn="l">
               <a:lnSpc>
@@ -7972,6 +8585,528 @@
     <p:extLst>
       <p:ext uri="{BB962C8B-B14F-4D97-AF65-F5344CB8AC3E}">
         <p14:creationId xmlns:p14="http://schemas.microsoft.com/office/powerpoint/2010/main" val="3397351921"/>
+      </p:ext>
+    </p:extLst>
+  </p:cSld>
+  <p:clrMapOvr>
+    <a:masterClrMapping/>
+  </p:clrMapOvr>
+</p:sld>
+</file>
+
+<file path=ppt/slides/slide7.xml><?xml version="1.0" encoding="utf-8"?>
+<p:sld xmlns:a="http://schemas.openxmlformats.org/drawingml/2006/main" xmlns:r="http://schemas.openxmlformats.org/officeDocument/2006/relationships" xmlns:p="http://schemas.openxmlformats.org/presentationml/2006/main">
+  <p:cSld>
+    <p:bg>
+      <p:bgPr>
+        <a:solidFill>
+          <a:srgbClr val="000000"/>
+        </a:solidFill>
+        <a:effectLst/>
+      </p:bgPr>
+    </p:bg>
+    <p:spTree>
+      <p:nvGrpSpPr>
+        <p:cNvPr id="1" name=""/>
+        <p:cNvGrpSpPr/>
+        <p:nvPr/>
+      </p:nvGrpSpPr>
+      <p:grpSpPr>
+        <a:xfrm>
+          <a:off x="0" y="0"/>
+          <a:ext cx="0" cy="0"/>
+          <a:chOff x="0" y="0"/>
+          <a:chExt cx="0" cy="0"/>
+        </a:xfrm>
+      </p:grpSpPr>
+      <p:pic>
+        <p:nvPicPr>
+          <p:cNvPr id="5" name="Picture 4">
+            <a:extLst>
+              <a:ext uri="{FF2B5EF4-FFF2-40B4-BE49-F238E27FC236}">
+                <a16:creationId xmlns:a16="http://schemas.microsoft.com/office/drawing/2014/main" id="{48E6F4BB-E5A6-034C-B727-179CAA534E43}"/>
+              </a:ext>
+            </a:extLst>
+          </p:cNvPr>
+          <p:cNvPicPr>
+            <a:picLocks noChangeAspect="1"/>
+          </p:cNvPicPr>
+          <p:nvPr/>
+        </p:nvPicPr>
+        <p:blipFill>
+          <a:blip r:embed="rId3">
+            <a:extLst>
+              <a:ext uri="{28A0092B-C50C-407E-A947-70E740481C1C}">
+                <a14:useLocalDpi xmlns:a14="http://schemas.microsoft.com/office/drawing/2010/main" val="0"/>
+              </a:ext>
+            </a:extLst>
+          </a:blip>
+          <a:srcRect/>
+          <a:stretch/>
+        </p:blipFill>
+        <p:spPr>
+          <a:xfrm>
+            <a:off x="4544952" y="4433047"/>
+            <a:ext cx="15287746" cy="4849905"/>
+          </a:xfrm>
+          <a:prstGeom prst="rect">
+            <a:avLst/>
+          </a:prstGeom>
+        </p:spPr>
+      </p:pic>
+      <p:sp>
+        <p:nvSpPr>
+          <p:cNvPr id="6" name="Rectangle 5">
+            <a:extLst>
+              <a:ext uri="{FF2B5EF4-FFF2-40B4-BE49-F238E27FC236}">
+                <a16:creationId xmlns:a16="http://schemas.microsoft.com/office/drawing/2014/main" id="{053E5399-9DC5-8A40-9DA1-EC511DBB6832}"/>
+              </a:ext>
+            </a:extLst>
+          </p:cNvPr>
+          <p:cNvSpPr/>
+          <p:nvPr/>
+        </p:nvSpPr>
+        <p:spPr>
+          <a:xfrm>
+            <a:off x="0" y="0"/>
+            <a:ext cx="24377650" cy="2286000"/>
+          </a:xfrm>
+          <a:prstGeom prst="rect">
+            <a:avLst/>
+          </a:prstGeom>
+          <a:solidFill>
+            <a:schemeClr val="bg1"/>
+          </a:solidFill>
+          <a:ln>
+            <a:solidFill>
+              <a:schemeClr val="bg1"/>
+            </a:solidFill>
+          </a:ln>
+        </p:spPr>
+        <p:style>
+          <a:lnRef idx="2">
+            <a:schemeClr val="accent1">
+              <a:shade val="50000"/>
+            </a:schemeClr>
+          </a:lnRef>
+          <a:fillRef idx="1">
+            <a:schemeClr val="accent1"/>
+          </a:fillRef>
+          <a:effectRef idx="0">
+            <a:schemeClr val="accent1"/>
+          </a:effectRef>
+          <a:fontRef idx="minor">
+            <a:schemeClr val="lt1"/>
+          </a:fontRef>
+        </p:style>
+        <p:txBody>
+          <a:bodyPr rtlCol="0" anchor="ctr"/>
+          <a:lstStyle/>
+          <a:p>
+            <a:pPr algn="ctr"/>
+            <a:endParaRPr lang="en-US" dirty="0"/>
+          </a:p>
+        </p:txBody>
+      </p:sp>
+      <p:sp>
+        <p:nvSpPr>
+          <p:cNvPr id="7" name="TextBox 6">
+            <a:extLst>
+              <a:ext uri="{FF2B5EF4-FFF2-40B4-BE49-F238E27FC236}">
+                <a16:creationId xmlns:a16="http://schemas.microsoft.com/office/drawing/2014/main" id="{48856C65-8DA0-6F40-B4E5-BF17E64E1A04}"/>
+              </a:ext>
+            </a:extLst>
+          </p:cNvPr>
+          <p:cNvSpPr txBox="1"/>
+          <p:nvPr/>
+        </p:nvSpPr>
+        <p:spPr>
+          <a:xfrm>
+            <a:off x="4705139" y="902543"/>
+            <a:ext cx="14967371" cy="1189236"/>
+          </a:xfrm>
+          <a:prstGeom prst="rect">
+            <a:avLst/>
+          </a:prstGeom>
+          <a:noFill/>
+        </p:spPr>
+        <p:txBody>
+          <a:bodyPr wrap="square" rtlCol="0" anchor="ctr" anchorCtr="0">
+            <a:spAutoFit/>
+          </a:bodyPr>
+          <a:lstStyle/>
+          <a:p>
+            <a:pPr algn="ctr">
+              <a:lnSpc>
+                <a:spcPts val="7060"/>
+              </a:lnSpc>
+            </a:pPr>
+            <a:r>
+              <a:rPr lang="en-US" sz="11500" b="1" spc="200" dirty="0">
+                <a:solidFill>
+                  <a:srgbClr val="000000"/>
+                </a:solidFill>
+                <a:latin typeface="Garamond" panose="02020404030301010803" pitchFamily="18" charset="0"/>
+                <a:ea typeface="Helvetica Neue Medium" panose="02000503000000020004" pitchFamily="2" charset="0"/>
+                <a:cs typeface="Times New Roman" panose="02020603050405020304" pitchFamily="18" charset="0"/>
+              </a:rPr>
+              <a:t>Appendix</a:t>
+            </a:r>
+          </a:p>
+        </p:txBody>
+      </p:sp>
+    </p:spTree>
+    <p:extLst>
+      <p:ext uri="{BB962C8B-B14F-4D97-AF65-F5344CB8AC3E}">
+        <p14:creationId xmlns:p14="http://schemas.microsoft.com/office/powerpoint/2010/main" val="1446470312"/>
+      </p:ext>
+    </p:extLst>
+  </p:cSld>
+  <p:clrMapOvr>
+    <a:masterClrMapping/>
+  </p:clrMapOvr>
+</p:sld>
+</file>
+
+<file path=ppt/slides/slide8.xml><?xml version="1.0" encoding="utf-8"?>
+<p:sld xmlns:a="http://schemas.openxmlformats.org/drawingml/2006/main" xmlns:r="http://schemas.openxmlformats.org/officeDocument/2006/relationships" xmlns:p="http://schemas.openxmlformats.org/presentationml/2006/main">
+  <p:cSld>
+    <p:bg>
+      <p:bgPr>
+        <a:solidFill>
+          <a:srgbClr val="000000"/>
+        </a:solidFill>
+        <a:effectLst/>
+      </p:bgPr>
+    </p:bg>
+    <p:spTree>
+      <p:nvGrpSpPr>
+        <p:cNvPr id="1" name=""/>
+        <p:cNvGrpSpPr/>
+        <p:nvPr/>
+      </p:nvGrpSpPr>
+      <p:grpSpPr>
+        <a:xfrm>
+          <a:off x="0" y="0"/>
+          <a:ext cx="0" cy="0"/>
+          <a:chOff x="0" y="0"/>
+          <a:chExt cx="0" cy="0"/>
+        </a:xfrm>
+      </p:grpSpPr>
+      <p:pic>
+        <p:nvPicPr>
+          <p:cNvPr id="5" name="Picture 4">
+            <a:extLst>
+              <a:ext uri="{FF2B5EF4-FFF2-40B4-BE49-F238E27FC236}">
+                <a16:creationId xmlns:a16="http://schemas.microsoft.com/office/drawing/2014/main" id="{48E6F4BB-E5A6-034C-B727-179CAA534E43}"/>
+              </a:ext>
+            </a:extLst>
+          </p:cNvPr>
+          <p:cNvPicPr>
+            <a:picLocks noChangeAspect="1"/>
+          </p:cNvPicPr>
+          <p:nvPr/>
+        </p:nvPicPr>
+        <p:blipFill>
+          <a:blip r:embed="rId3">
+            <a:extLst>
+              <a:ext uri="{28A0092B-C50C-407E-A947-70E740481C1C}">
+                <a14:useLocalDpi xmlns:a14="http://schemas.microsoft.com/office/drawing/2010/main" val="0"/>
+              </a:ext>
+            </a:extLst>
+          </a:blip>
+          <a:srcRect/>
+          <a:stretch/>
+        </p:blipFill>
+        <p:spPr>
+          <a:xfrm>
+            <a:off x="3967092" y="4362390"/>
+            <a:ext cx="16443466" cy="4991219"/>
+          </a:xfrm>
+          <a:prstGeom prst="rect">
+            <a:avLst/>
+          </a:prstGeom>
+        </p:spPr>
+      </p:pic>
+      <p:sp>
+        <p:nvSpPr>
+          <p:cNvPr id="6" name="Rectangle 5">
+            <a:extLst>
+              <a:ext uri="{FF2B5EF4-FFF2-40B4-BE49-F238E27FC236}">
+                <a16:creationId xmlns:a16="http://schemas.microsoft.com/office/drawing/2014/main" id="{053E5399-9DC5-8A40-9DA1-EC511DBB6832}"/>
+              </a:ext>
+            </a:extLst>
+          </p:cNvPr>
+          <p:cNvSpPr/>
+          <p:nvPr/>
+        </p:nvSpPr>
+        <p:spPr>
+          <a:xfrm>
+            <a:off x="0" y="0"/>
+            <a:ext cx="24377650" cy="2286000"/>
+          </a:xfrm>
+          <a:prstGeom prst="rect">
+            <a:avLst/>
+          </a:prstGeom>
+          <a:solidFill>
+            <a:schemeClr val="bg1"/>
+          </a:solidFill>
+          <a:ln>
+            <a:solidFill>
+              <a:schemeClr val="bg1"/>
+            </a:solidFill>
+          </a:ln>
+        </p:spPr>
+        <p:style>
+          <a:lnRef idx="2">
+            <a:schemeClr val="accent1">
+              <a:shade val="50000"/>
+            </a:schemeClr>
+          </a:lnRef>
+          <a:fillRef idx="1">
+            <a:schemeClr val="accent1"/>
+          </a:fillRef>
+          <a:effectRef idx="0">
+            <a:schemeClr val="accent1"/>
+          </a:effectRef>
+          <a:fontRef idx="minor">
+            <a:schemeClr val="lt1"/>
+          </a:fontRef>
+        </p:style>
+        <p:txBody>
+          <a:bodyPr rtlCol="0" anchor="ctr"/>
+          <a:lstStyle/>
+          <a:p>
+            <a:pPr algn="ctr"/>
+            <a:endParaRPr lang="en-US" dirty="0"/>
+          </a:p>
+        </p:txBody>
+      </p:sp>
+      <p:sp>
+        <p:nvSpPr>
+          <p:cNvPr id="7" name="TextBox 6">
+            <a:extLst>
+              <a:ext uri="{FF2B5EF4-FFF2-40B4-BE49-F238E27FC236}">
+                <a16:creationId xmlns:a16="http://schemas.microsoft.com/office/drawing/2014/main" id="{48856C65-8DA0-6F40-B4E5-BF17E64E1A04}"/>
+              </a:ext>
+            </a:extLst>
+          </p:cNvPr>
+          <p:cNvSpPr txBox="1"/>
+          <p:nvPr/>
+        </p:nvSpPr>
+        <p:spPr>
+          <a:xfrm>
+            <a:off x="4705139" y="902543"/>
+            <a:ext cx="14967371" cy="1189236"/>
+          </a:xfrm>
+          <a:prstGeom prst="rect">
+            <a:avLst/>
+          </a:prstGeom>
+          <a:noFill/>
+        </p:spPr>
+        <p:txBody>
+          <a:bodyPr wrap="square" rtlCol="0" anchor="ctr" anchorCtr="0">
+            <a:spAutoFit/>
+          </a:bodyPr>
+          <a:lstStyle/>
+          <a:p>
+            <a:pPr algn="ctr">
+              <a:lnSpc>
+                <a:spcPts val="7060"/>
+              </a:lnSpc>
+            </a:pPr>
+            <a:r>
+              <a:rPr lang="en-US" sz="11500" b="1" spc="200" dirty="0">
+                <a:solidFill>
+                  <a:srgbClr val="000000"/>
+                </a:solidFill>
+                <a:latin typeface="Garamond" panose="02020404030301010803" pitchFamily="18" charset="0"/>
+                <a:ea typeface="Helvetica Neue Medium" panose="02000503000000020004" pitchFamily="2" charset="0"/>
+                <a:cs typeface="Times New Roman" panose="02020603050405020304" pitchFamily="18" charset="0"/>
+              </a:rPr>
+              <a:t>Appendix</a:t>
+            </a:r>
+          </a:p>
+        </p:txBody>
+      </p:sp>
+    </p:spTree>
+    <p:extLst>
+      <p:ext uri="{BB962C8B-B14F-4D97-AF65-F5344CB8AC3E}">
+        <p14:creationId xmlns:p14="http://schemas.microsoft.com/office/powerpoint/2010/main" val="472846801"/>
+      </p:ext>
+    </p:extLst>
+  </p:cSld>
+  <p:clrMapOvr>
+    <a:masterClrMapping/>
+  </p:clrMapOvr>
+</p:sld>
+</file>
+
+<file path=ppt/slides/slide9.xml><?xml version="1.0" encoding="utf-8"?>
+<p:sld xmlns:a="http://schemas.openxmlformats.org/drawingml/2006/main" xmlns:r="http://schemas.openxmlformats.org/officeDocument/2006/relationships" xmlns:p="http://schemas.openxmlformats.org/presentationml/2006/main">
+  <p:cSld>
+    <p:bg>
+      <p:bgPr>
+        <a:solidFill>
+          <a:srgbClr val="000000"/>
+        </a:solidFill>
+        <a:effectLst/>
+      </p:bgPr>
+    </p:bg>
+    <p:spTree>
+      <p:nvGrpSpPr>
+        <p:cNvPr id="1" name=""/>
+        <p:cNvGrpSpPr/>
+        <p:nvPr/>
+      </p:nvGrpSpPr>
+      <p:grpSpPr>
+        <a:xfrm>
+          <a:off x="0" y="0"/>
+          <a:ext cx="0" cy="0"/>
+          <a:chOff x="0" y="0"/>
+          <a:chExt cx="0" cy="0"/>
+        </a:xfrm>
+      </p:grpSpPr>
+      <p:pic>
+        <p:nvPicPr>
+          <p:cNvPr id="5" name="Picture 4">
+            <a:extLst>
+              <a:ext uri="{FF2B5EF4-FFF2-40B4-BE49-F238E27FC236}">
+                <a16:creationId xmlns:a16="http://schemas.microsoft.com/office/drawing/2014/main" id="{48E6F4BB-E5A6-034C-B727-179CAA534E43}"/>
+              </a:ext>
+            </a:extLst>
+          </p:cNvPr>
+          <p:cNvPicPr>
+            <a:picLocks noChangeAspect="1"/>
+          </p:cNvPicPr>
+          <p:nvPr/>
+        </p:nvPicPr>
+        <p:blipFill>
+          <a:blip r:embed="rId3">
+            <a:extLst>
+              <a:ext uri="{28A0092B-C50C-407E-A947-70E740481C1C}">
+                <a14:useLocalDpi xmlns:a14="http://schemas.microsoft.com/office/drawing/2010/main" val="0"/>
+              </a:ext>
+            </a:extLst>
+          </a:blip>
+          <a:srcRect/>
+          <a:stretch/>
+        </p:blipFill>
+        <p:spPr>
+          <a:xfrm>
+            <a:off x="5168866" y="3355410"/>
+            <a:ext cx="14039917" cy="7005180"/>
+          </a:xfrm>
+          <a:prstGeom prst="rect">
+            <a:avLst/>
+          </a:prstGeom>
+        </p:spPr>
+      </p:pic>
+      <p:sp>
+        <p:nvSpPr>
+          <p:cNvPr id="6" name="Rectangle 5">
+            <a:extLst>
+              <a:ext uri="{FF2B5EF4-FFF2-40B4-BE49-F238E27FC236}">
+                <a16:creationId xmlns:a16="http://schemas.microsoft.com/office/drawing/2014/main" id="{053E5399-9DC5-8A40-9DA1-EC511DBB6832}"/>
+              </a:ext>
+            </a:extLst>
+          </p:cNvPr>
+          <p:cNvSpPr/>
+          <p:nvPr/>
+        </p:nvSpPr>
+        <p:spPr>
+          <a:xfrm>
+            <a:off x="0" y="0"/>
+            <a:ext cx="24377650" cy="2286000"/>
+          </a:xfrm>
+          <a:prstGeom prst="rect">
+            <a:avLst/>
+          </a:prstGeom>
+          <a:solidFill>
+            <a:schemeClr val="bg1"/>
+          </a:solidFill>
+          <a:ln>
+            <a:solidFill>
+              <a:schemeClr val="bg1"/>
+            </a:solidFill>
+          </a:ln>
+        </p:spPr>
+        <p:style>
+          <a:lnRef idx="2">
+            <a:schemeClr val="accent1">
+              <a:shade val="50000"/>
+            </a:schemeClr>
+          </a:lnRef>
+          <a:fillRef idx="1">
+            <a:schemeClr val="accent1"/>
+          </a:fillRef>
+          <a:effectRef idx="0">
+            <a:schemeClr val="accent1"/>
+          </a:effectRef>
+          <a:fontRef idx="minor">
+            <a:schemeClr val="lt1"/>
+          </a:fontRef>
+        </p:style>
+        <p:txBody>
+          <a:bodyPr rtlCol="0" anchor="ctr"/>
+          <a:lstStyle/>
+          <a:p>
+            <a:pPr algn="ctr"/>
+            <a:endParaRPr lang="en-US" dirty="0"/>
+          </a:p>
+        </p:txBody>
+      </p:sp>
+      <p:sp>
+        <p:nvSpPr>
+          <p:cNvPr id="7" name="TextBox 6">
+            <a:extLst>
+              <a:ext uri="{FF2B5EF4-FFF2-40B4-BE49-F238E27FC236}">
+                <a16:creationId xmlns:a16="http://schemas.microsoft.com/office/drawing/2014/main" id="{48856C65-8DA0-6F40-B4E5-BF17E64E1A04}"/>
+              </a:ext>
+            </a:extLst>
+          </p:cNvPr>
+          <p:cNvSpPr txBox="1"/>
+          <p:nvPr/>
+        </p:nvSpPr>
+        <p:spPr>
+          <a:xfrm>
+            <a:off x="4705139" y="902543"/>
+            <a:ext cx="14967371" cy="1189236"/>
+          </a:xfrm>
+          <a:prstGeom prst="rect">
+            <a:avLst/>
+          </a:prstGeom>
+          <a:noFill/>
+        </p:spPr>
+        <p:txBody>
+          <a:bodyPr wrap="square" rtlCol="0" anchor="ctr" anchorCtr="0">
+            <a:spAutoFit/>
+          </a:bodyPr>
+          <a:lstStyle/>
+          <a:p>
+            <a:pPr algn="ctr">
+              <a:lnSpc>
+                <a:spcPts val="7060"/>
+              </a:lnSpc>
+            </a:pPr>
+            <a:r>
+              <a:rPr lang="en-US" sz="11500" b="1" spc="200" dirty="0">
+                <a:solidFill>
+                  <a:srgbClr val="000000"/>
+                </a:solidFill>
+                <a:latin typeface="Garamond" panose="02020404030301010803" pitchFamily="18" charset="0"/>
+                <a:ea typeface="Helvetica Neue Medium" panose="02000503000000020004" pitchFamily="2" charset="0"/>
+                <a:cs typeface="Times New Roman" panose="02020603050405020304" pitchFamily="18" charset="0"/>
+              </a:rPr>
+              <a:t>Appendix</a:t>
+            </a:r>
+          </a:p>
+        </p:txBody>
+      </p:sp>
+    </p:spTree>
+    <p:extLst>
+      <p:ext uri="{BB962C8B-B14F-4D97-AF65-F5344CB8AC3E}">
+        <p14:creationId xmlns:p14="http://schemas.microsoft.com/office/powerpoint/2010/main" val="2930398845"/>
       </p:ext>
     </p:extLst>
   </p:cSld>

--- a/presentation/medium.pptx
+++ b/presentation/medium.pptx
@@ -595,16 +595,19 @@
             </a:r>
           </a:p>
           <a:p>
-            <a:endParaRPr lang="en-US" dirty="0"/>
-          </a:p>
-          <a:p>
-            <a:endParaRPr lang="en-US" dirty="0"/>
-          </a:p>
-          <a:p>
             <a:r>
               <a:rPr lang="en-US" dirty="0"/>
-              <a:t>Medium: Ideas and perspectives you won’t find anywhere else.</a:t>
+              <a:t>predicts Medium Articles a user would be interested in </a:t>
             </a:r>
+          </a:p>
+          <a:p>
+            <a:r>
+              <a:rPr lang="en-US" dirty="0"/>
+              <a:t>based on a search or a previously read Article</a:t>
+            </a:r>
+          </a:p>
+          <a:p>
+            <a:endParaRPr lang="en-US" dirty="0"/>
           </a:p>
         </p:txBody>
       </p:sp>
@@ -793,6 +796,35 @@
               <a:rPr lang="en-US" dirty="0"/>
               <a:t>hybrid collection of amateur &amp; professional people and publications</a:t>
             </a:r>
+          </a:p>
+          <a:p>
+            <a:endParaRPr lang="en-US" dirty="0"/>
+          </a:p>
+          <a:p>
+            <a:pPr marL="0" marR="0" lvl="0" indent="0" algn="l" defTabSz="914217" rtl="0" eaLnBrk="1" fontAlgn="auto" latinLnBrk="0" hangingPunct="1">
+              <a:lnSpc>
+                <a:spcPct val="100000"/>
+              </a:lnSpc>
+              <a:spcBef>
+                <a:spcPts val="0"/>
+              </a:spcBef>
+              <a:spcAft>
+                <a:spcPts val="0"/>
+              </a:spcAft>
+              <a:buClrTx/>
+              <a:buSzTx/>
+              <a:buFontTx/>
+              <a:buNone/>
+              <a:tabLst/>
+              <a:defRPr/>
+            </a:pPr>
+            <a:r>
+              <a:rPr lang="en-US" dirty="0"/>
+              <a:t>Medium: Ideas and perspectives you won’t find anywhere else.</a:t>
+            </a:r>
+          </a:p>
+          <a:p>
+            <a:endParaRPr lang="en-US" dirty="0"/>
           </a:p>
         </p:txBody>
       </p:sp>
@@ -7542,9 +7574,7 @@
             <a:avLst/>
           </a:prstGeom>
           <a:ln w="57150">
-            <a:solidFill>
-              <a:schemeClr val="tx2"/>
-            </a:solidFill>
+            <a:noFill/>
           </a:ln>
         </p:spPr>
         <p:style>
@@ -7621,6 +7651,58 @@
               </a:rPr>
               <a:t>Popping The Bubble: Cryptocurrency vs. Dot Com</a:t>
             </a:r>
+          </a:p>
+        </p:txBody>
+      </p:sp>
+      <p:sp>
+        <p:nvSpPr>
+          <p:cNvPr id="2" name="Rectangle 1">
+            <a:extLst>
+              <a:ext uri="{FF2B5EF4-FFF2-40B4-BE49-F238E27FC236}">
+                <a16:creationId xmlns:a16="http://schemas.microsoft.com/office/drawing/2014/main" id="{0C46B23C-878E-FC4E-B625-8BA97E7A2644}"/>
+              </a:ext>
+            </a:extLst>
+          </p:cNvPr>
+          <p:cNvSpPr/>
+          <p:nvPr/>
+        </p:nvSpPr>
+        <p:spPr>
+          <a:xfrm>
+            <a:off x="1395663" y="2887579"/>
+            <a:ext cx="21127453" cy="6232358"/>
+          </a:xfrm>
+          <a:prstGeom prst="rect">
+            <a:avLst/>
+          </a:prstGeom>
+          <a:solidFill>
+            <a:srgbClr val="FFFFFF">
+              <a:alpha val="72157"/>
+            </a:srgbClr>
+          </a:solidFill>
+          <a:ln>
+            <a:noFill/>
+          </a:ln>
+        </p:spPr>
+        <p:style>
+          <a:lnRef idx="2">
+            <a:schemeClr val="accent6"/>
+          </a:lnRef>
+          <a:fillRef idx="1">
+            <a:schemeClr val="lt1"/>
+          </a:fillRef>
+          <a:effectRef idx="0">
+            <a:schemeClr val="accent6"/>
+          </a:effectRef>
+          <a:fontRef idx="minor">
+            <a:schemeClr val="dk1"/>
+          </a:fontRef>
+        </p:style>
+        <p:txBody>
+          <a:bodyPr rtlCol="0" anchor="ctr"/>
+          <a:lstStyle/>
+          <a:p>
+            <a:pPr algn="ctr"/>
+            <a:endParaRPr lang="en-US" dirty="0"/>
           </a:p>
         </p:txBody>
       </p:sp>
@@ -7780,6 +7862,33 @@
                                   </p:childTnLst>
                                 </p:cTn>
                               </p:par>
+                              <p:par>
+                                <p:cTn id="15" presetID="1" presetClass="entr" presetSubtype="0" fill="hold" grpId="0" nodeType="withEffect">
+                                  <p:stCondLst>
+                                    <p:cond delay="0"/>
+                                  </p:stCondLst>
+                                  <p:childTnLst>
+                                    <p:set>
+                                      <p:cBhvr>
+                                        <p:cTn id="16" dur="1" fill="hold">
+                                          <p:stCondLst>
+                                            <p:cond delay="0"/>
+                                          </p:stCondLst>
+                                        </p:cTn>
+                                        <p:tgtEl>
+                                          <p:spTgt spid="2"/>
+                                        </p:tgtEl>
+                                        <p:attrNameLst>
+                                          <p:attrName>style.visibility</p:attrName>
+                                        </p:attrNameLst>
+                                      </p:cBhvr>
+                                      <p:to>
+                                        <p:strVal val="visible"/>
+                                      </p:to>
+                                    </p:set>
+                                  </p:childTnLst>
+                                </p:cTn>
+                              </p:par>
                             </p:childTnLst>
                           </p:cTn>
                         </p:par>
@@ -7809,6 +7918,7 @@
     </p:tnLst>
     <p:bldLst>
       <p:bldP spid="36" grpId="0" animBg="1"/>
+      <p:bldP spid="2" grpId="0" animBg="1"/>
     </p:bldLst>
   </p:timing>
 </p:sld>

--- a/presentation/medium.pptx
+++ b/presentation/medium.pptx
@@ -6175,7 +6175,7 @@
               </a:lnSpc>
             </a:pPr>
             <a:r>
-              <a:rPr lang="en-US" sz="11500" b="1" spc="200" dirty="0" err="1">
+              <a:rPr lang="en-US" sz="11500" b="1" spc="200" dirty="0">
                 <a:solidFill>
                   <a:schemeClr val="bg1"/>
                 </a:solidFill>
@@ -6183,16 +6183,8 @@
                 <a:ea typeface="Helvetica Neue Medium" panose="02000503000000020004" pitchFamily="2" charset="0"/>
                 <a:cs typeface="Times New Roman" panose="02020603050405020304" pitchFamily="18" charset="0"/>
               </a:rPr>
-              <a:t>Methonds</a:t>
+              <a:t>Methods</a:t>
             </a:r>
-            <a:endParaRPr lang="en-US" sz="11500" b="1" spc="200" dirty="0">
-              <a:solidFill>
-                <a:schemeClr val="bg1"/>
-              </a:solidFill>
-              <a:latin typeface="Garamond" panose="02020404030301010803" pitchFamily="18" charset="0"/>
-              <a:ea typeface="Helvetica Neue Medium" panose="02000503000000020004" pitchFamily="2" charset="0"/>
-              <a:cs typeface="Times New Roman" panose="02020603050405020304" pitchFamily="18" charset="0"/>
-            </a:endParaRPr>
           </a:p>
         </p:txBody>
       </p:sp>
